--- a/posters/2014/SC/DE.pptx
+++ b/posters/2014/SC/DE.pptx
@@ -3557,8 +3557,8 @@
         </p:nvSpPr>
         <p:spPr>
           <a:xfrm>
-            <a:off x="725714" y="25706269"/>
-            <a:ext cx="12573000" cy="9370424"/>
+            <a:off x="725714" y="16692539"/>
+            <a:ext cx="12573000" cy="18384154"/>
           </a:xfrm>
           <a:prstGeom prst="roundRect">
             <a:avLst>
@@ -3725,7 +3725,7 @@
                   <a:srgbClr val="1F497D"/>
                 </a:solidFill>
               </a:rPr>
-              <a:t> &lt;wozniak@mcs.anl.gov</a:t>
+              <a:t> &lt;wozniak@mcs.anl.gov&gt;, </a:t>
             </a:r>
             <a:r>
               <a:rPr lang="en-US" sz="4500" dirty="0" smtClean="0">
@@ -3733,8 +3733,47 @@
                   <a:srgbClr val="1F497D"/>
                 </a:solidFill>
               </a:rPr>
-              <a:t>&gt;, </a:t>
-            </a:r>
+              <a:t> </a:t>
+            </a:r>
+            <a:r>
+              <a:rPr lang="en-US" sz="4500" dirty="0" err="1" smtClean="0">
+                <a:solidFill>
+                  <a:srgbClr val="1F497D"/>
+                </a:solidFill>
+              </a:rPr>
+              <a:t>Hemant</a:t>
+            </a:r>
+            <a:r>
+              <a:rPr lang="en-US" sz="4500" dirty="0" smtClean="0">
+                <a:solidFill>
+                  <a:srgbClr val="1F497D"/>
+                </a:solidFill>
+              </a:rPr>
+              <a:t> Sharma</a:t>
+            </a:r>
+            <a:r>
+              <a:rPr lang="en-US" sz="4500" baseline="30000" dirty="0">
+                <a:solidFill>
+                  <a:srgbClr val="1F497D"/>
+                </a:solidFill>
+              </a:rPr>
+              <a:t>1</a:t>
+            </a:r>
+            <a:r>
+              <a:rPr lang="en-US" sz="4500" dirty="0" smtClean="0">
+                <a:solidFill>
+                  <a:srgbClr val="1F497D"/>
+                </a:solidFill>
+              </a:rPr>
+              <a:t>, </a:t>
+            </a:r>
+            <a:br>
+              <a:rPr lang="en-US" sz="4500" dirty="0" smtClean="0">
+                <a:solidFill>
+                  <a:srgbClr val="1F497D"/>
+                </a:solidFill>
+              </a:rPr>
+            </a:br>
             <a:r>
               <a:rPr lang="en-US" sz="4500" dirty="0" smtClean="0">
                 <a:solidFill>
@@ -3744,7 +3783,7 @@
               <a:t>Michael Wilde</a:t>
             </a:r>
             <a:r>
-              <a:rPr lang="en-US" sz="4500" baseline="30000" dirty="0">
+              <a:rPr lang="en-US" sz="4500" baseline="30000" dirty="0" smtClean="0">
                 <a:solidFill>
                   <a:srgbClr val="1F497D"/>
                 </a:solidFill>
@@ -3757,22 +3796,7 @@
                   <a:srgbClr val="1F497D"/>
                 </a:solidFill>
               </a:rPr>
-              <a:t>,</a:t>
-            </a:r>
-          </a:p>
-          <a:p>
-            <a:pPr marL="289548" indent="-285739" algn="ctr">
-              <a:lnSpc>
-                <a:spcPct val="90000"/>
-              </a:lnSpc>
-            </a:pPr>
-            <a:r>
-              <a:rPr lang="en-US" sz="4500" dirty="0" smtClean="0">
-                <a:solidFill>
-                  <a:srgbClr val="1F497D"/>
-                </a:solidFill>
-              </a:rPr>
-              <a:t>Ian </a:t>
+              <a:t>, Ian </a:t>
             </a:r>
             <a:r>
               <a:rPr lang="en-US" sz="4500" dirty="0" smtClean="0">
@@ -3797,14 +3821,6 @@
                 </a:solidFill>
               </a:rPr>
               <a:t>12</a:t>
-            </a:r>
-            <a:r>
-              <a:rPr lang="en-US" sz="4500" dirty="0" smtClean="0">
-                <a:solidFill>
-                  <a:srgbClr val="1F497D"/>
-                </a:solidFill>
-              </a:rPr>
-              <a:t> , ADD OTHERS</a:t>
             </a:r>
             <a:endParaRPr lang="en-US" sz="4500" dirty="0" smtClean="0">
               <a:solidFill>
@@ -3952,106 +3968,6 @@
               <a:t>Science Foundation.</a:t>
             </a:r>
             <a:endParaRPr lang="en-GB" sz="2300" dirty="0"/>
-          </a:p>
-        </p:txBody>
-      </p:sp>
-      <p:sp>
-        <p:nvSpPr>
-          <p:cNvPr id="222" name="Rounded Rectangle 221"/>
-          <p:cNvSpPr/>
-          <p:nvPr/>
-        </p:nvSpPr>
-        <p:spPr>
-          <a:xfrm>
-            <a:off x="635000" y="16535400"/>
-            <a:ext cx="12700000" cy="8839200"/>
-          </a:xfrm>
-          <a:prstGeom prst="roundRect">
-            <a:avLst>
-              <a:gd name="adj" fmla="val 5173"/>
-            </a:avLst>
-          </a:prstGeom>
-          <a:solidFill>
-            <a:schemeClr val="bg1"/>
-          </a:solidFill>
-        </p:spPr>
-        <p:style>
-          <a:lnRef idx="1">
-            <a:schemeClr val="accent1"/>
-          </a:lnRef>
-          <a:fillRef idx="3">
-            <a:schemeClr val="accent1"/>
-          </a:fillRef>
-          <a:effectRef idx="2">
-            <a:schemeClr val="accent1"/>
-          </a:effectRef>
-          <a:fontRef idx="minor">
-            <a:schemeClr val="lt1"/>
-          </a:fontRef>
-        </p:style>
-        <p:txBody>
-          <a:bodyPr lIns="76197" tIns="38098" rIns="76197" bIns="38098" rtlCol="0" anchor="ctr"/>
-          <a:lstStyle/>
-          <a:p>
-            <a:pPr algn="ctr"/>
-            <a:r>
-              <a:rPr lang="en-US"/>
-              <a:t>Data dependencies and tasks resulting from complex, large scale scripts must </a:t>
-            </a:r>
-          </a:p>
-        </p:txBody>
-      </p:sp>
-      <p:sp>
-        <p:nvSpPr>
-          <p:cNvPr id="227" name="Rectangle 2"/>
-          <p:cNvSpPr txBox="1">
-            <a:spLocks noChangeArrowheads="1"/>
-          </p:cNvSpPr>
-          <p:nvPr/>
-        </p:nvSpPr>
-        <p:spPr bwMode="auto">
-          <a:xfrm>
-            <a:off x="635000" y="16764000"/>
-            <a:ext cx="12700000" cy="838200"/>
-          </a:xfrm>
-          <a:prstGeom prst="rect">
-            <a:avLst/>
-          </a:prstGeom>
-          <a:noFill/>
-          <a:ln w="9525">
-            <a:noFill/>
-            <a:round/>
-            <a:headEnd/>
-            <a:tailEnd/>
-          </a:ln>
-        </p:spPr>
-        <p:txBody>
-          <a:bodyPr lIns="74997" tIns="38998" rIns="74997" bIns="38998" anchor="ctr">
-            <a:prstTxWarp prst="textNoShape">
-              <a:avLst/>
-            </a:prstTxWarp>
-          </a:bodyPr>
-          <a:lstStyle/>
-          <a:p>
-            <a:pPr algn="ctr" defTabSz="380985">
-              <a:lnSpc>
-                <a:spcPct val="94000"/>
-              </a:lnSpc>
-              <a:buClr>
-                <a:srgbClr val="000000"/>
-              </a:buClr>
-              <a:buSzPct val="100000"/>
-              <a:defRPr/>
-            </a:pPr>
-            <a:r>
-              <a:rPr lang="en-US" sz="4800" smtClean="0">
-                <a:solidFill>
-                  <a:srgbClr val="7F7F7F"/>
-                </a:solidFill>
-              </a:rPr>
-              <a:t>STC: An advanced, optimizing compiler</a:t>
-            </a:r>
-            <a:endParaRPr lang="en-US" sz="4800" i="1" dirty="0" smtClean="0"/>
           </a:p>
         </p:txBody>
       </p:sp>
@@ -4163,30 +4079,6 @@
           </a:p>
         </p:txBody>
       </p:sp>
-      <p:pic>
-        <p:nvPicPr>
-          <p:cNvPr id="32" name="Picture 31" descr="pips-flow.png"/>
-          <p:cNvPicPr>
-            <a:picLocks noChangeAspect="1"/>
-          </p:cNvPicPr>
-          <p:nvPr/>
-        </p:nvPicPr>
-        <p:blipFill>
-          <a:blip r:embed="rId4"/>
-          <a:stretch>
-            <a:fillRect/>
-          </a:stretch>
-        </p:blipFill>
-        <p:spPr>
-          <a:xfrm>
-            <a:off x="6885213" y="26401382"/>
-            <a:ext cx="6166670" cy="2878659"/>
-          </a:xfrm>
-          <a:prstGeom prst="rect">
-            <a:avLst/>
-          </a:prstGeom>
-        </p:spPr>
-      </p:pic>
       <p:sp>
         <p:nvSpPr>
           <p:cNvPr id="44" name="Rectangle 2"/>
@@ -4197,7 +4089,7 @@
         </p:nvSpPr>
         <p:spPr bwMode="auto">
           <a:xfrm>
-            <a:off x="1348014" y="25816197"/>
+            <a:off x="1348014" y="17297400"/>
             <a:ext cx="11531600" cy="702621"/>
           </a:xfrm>
           <a:prstGeom prst="rect">
@@ -4235,48 +4127,20 @@
                   <a:srgbClr val="7F7F7F"/>
                 </a:solidFill>
               </a:rPr>
-              <a:t>Swift PIPS script</a:t>
-            </a:r>
-            <a:r>
-              <a:rPr lang="en-US" sz="4000" smtClean="0">
-                <a:solidFill>
-                  <a:srgbClr val="7F7F7F"/>
-                </a:solidFill>
-              </a:rPr>
-              <a:t>: </a:t>
-            </a:r>
-            <a:r>
-              <a:rPr lang="en-US" sz="4000" smtClean="0"/>
-              <a:t>Parallel power grid analysis</a:t>
-            </a:r>
-            <a:endParaRPr lang="en-US" sz="4000" i="1" dirty="0" smtClean="0"/>
-          </a:p>
-        </p:txBody>
-      </p:sp>
-      <p:pic>
-        <p:nvPicPr>
-          <p:cNvPr id="57" name="Picture 56" descr="pips-perf.pdf"/>
-          <p:cNvPicPr>
-            <a:picLocks noChangeAspect="1"/>
-          </p:cNvPicPr>
-          <p:nvPr/>
-        </p:nvPicPr>
-        <p:blipFill>
-          <a:blip r:embed="rId5"/>
-          <a:stretch>
-            <a:fillRect/>
-          </a:stretch>
-        </p:blipFill>
-        <p:spPr>
-          <a:xfrm>
-            <a:off x="5590463" y="30153201"/>
-            <a:ext cx="8153400" cy="4923492"/>
-          </a:xfrm>
-          <a:prstGeom prst="rect">
-            <a:avLst/>
-          </a:prstGeom>
-        </p:spPr>
-      </p:pic>
+              <a:t>Key application: </a:t>
+            </a:r>
+            <a:r>
+              <a:rPr lang="en-US" sz="3600" dirty="0" smtClean="0"/>
+              <a:t>High </a:t>
+            </a:r>
+            <a:r>
+              <a:rPr lang="en-US" sz="3600" dirty="0"/>
+              <a:t>Energy X-ray Diffraction Microscopy</a:t>
+            </a:r>
+            <a:endParaRPr lang="en-US" sz="3600" i="1" dirty="0" smtClean="0"/>
+          </a:p>
+        </p:txBody>
+      </p:sp>
       <p:sp>
         <p:nvSpPr>
           <p:cNvPr id="58" name="Rectangle 2"/>
@@ -4353,8 +4217,8 @@
         </p:nvSpPr>
         <p:spPr>
           <a:xfrm>
-            <a:off x="13720843" y="6440713"/>
-            <a:ext cx="13187917" cy="18933887"/>
+            <a:off x="13720843" y="6586927"/>
+            <a:ext cx="13187917" cy="18787673"/>
           </a:xfrm>
           <a:prstGeom prst="roundRect">
             <a:avLst>
@@ -4474,7 +4338,7 @@
               <a:defRPr/>
             </a:pPr>
             <a:r>
-              <a:rPr lang="en-US" sz="4800" smtClean="0">
+              <a:rPr lang="en-US" sz="4800" dirty="0" smtClean="0">
                 <a:solidFill>
                   <a:srgbClr val="7F7F7F"/>
                 </a:solidFill>
@@ -4495,7 +4359,7 @@
         </p:nvSpPr>
         <p:spPr bwMode="auto">
           <a:xfrm>
-            <a:off x="673100" y="6586927"/>
+            <a:off x="609600" y="6583044"/>
             <a:ext cx="12700000" cy="838200"/>
           </a:xfrm>
           <a:prstGeom prst="rect">
@@ -4533,7 +4397,15 @@
                   <a:srgbClr val="7F7F7F"/>
                 </a:solidFill>
               </a:rPr>
-              <a:t>Overview: Dataflow programming at scale</a:t>
+              <a:t>Overview: </a:t>
+            </a:r>
+            <a:r>
+              <a:rPr lang="en-US" sz="4800" dirty="0" smtClean="0">
+                <a:solidFill>
+                  <a:srgbClr val="7F7F7F"/>
+                </a:solidFill>
+              </a:rPr>
+              <a:t>X-ray Image Analysis</a:t>
             </a:r>
             <a:endParaRPr lang="en-US" sz="4800" i="1" dirty="0" smtClean="0"/>
           </a:p>
@@ -4566,167 +4438,23 @@
               <a:buChar char="•"/>
             </a:pPr>
             <a:r>
-              <a:rPr lang="en-US" sz="3200" smtClean="0"/>
-              <a:t>Many </a:t>
-            </a:r>
-            <a:r>
-              <a:rPr lang="en-US" sz="3200"/>
-              <a:t>important application classes that are driving the </a:t>
-            </a:r>
-            <a:r>
-              <a:rPr lang="en-US" sz="3200" smtClean="0"/>
-              <a:t>requirements for </a:t>
-            </a:r>
-            <a:r>
-              <a:rPr lang="en-US" sz="3200"/>
-              <a:t>extreme-scale </a:t>
-            </a:r>
-            <a:r>
-              <a:rPr lang="en-US" sz="3200" smtClean="0"/>
-              <a:t>systems can </a:t>
-            </a:r>
-            <a:r>
-              <a:rPr lang="en-US" sz="3200"/>
-              <a:t>be </a:t>
-            </a:r>
-            <a:r>
-              <a:rPr lang="en-US" sz="3200" smtClean="0"/>
-              <a:t>elegantly expressed </a:t>
-            </a:r>
-            <a:r>
-              <a:rPr lang="en-US" sz="3200"/>
-              <a:t>as many-task data flow </a:t>
-            </a:r>
-            <a:r>
-              <a:rPr lang="en-US" sz="3200" smtClean="0"/>
-              <a:t>programs: </a:t>
-            </a:r>
-            <a:endParaRPr lang="en-US" sz="3200"/>
-          </a:p>
-          <a:p>
-            <a:pPr lvl="1"/>
-            <a:r>
-              <a:rPr lang="en-US" sz="3200" smtClean="0">
-                <a:latin typeface="Webdings" pitchFamily="18" charset="2"/>
-              </a:rPr>
-              <a:t>a</a:t>
-            </a:r>
-            <a:r>
-              <a:rPr lang="en-US" sz="3200">
-                <a:latin typeface="Webdings" pitchFamily="18" charset="2"/>
-              </a:rPr>
-              <a:t> </a:t>
-            </a:r>
-            <a:r>
-              <a:rPr lang="en-US" sz="3200" smtClean="0"/>
-              <a:t>Branch </a:t>
-            </a:r>
-            <a:r>
-              <a:rPr lang="en-US" sz="3200"/>
-              <a:t>and </a:t>
-            </a:r>
-            <a:r>
-              <a:rPr lang="en-US" sz="3200" smtClean="0"/>
-              <a:t>bound	    </a:t>
-            </a:r>
-            <a:r>
-              <a:rPr lang="en-US" sz="3200" smtClean="0">
-                <a:latin typeface="Webdings" pitchFamily="18" charset="2"/>
-              </a:rPr>
-              <a:t>a </a:t>
-            </a:r>
-            <a:r>
-              <a:rPr lang="en-US" sz="3200" smtClean="0"/>
-              <a:t>Stochastic programming </a:t>
-            </a:r>
-            <a:br>
-              <a:rPr lang="en-US" sz="3200" smtClean="0"/>
-            </a:br>
-            <a:r>
-              <a:rPr lang="en-US" sz="3200" smtClean="0">
-                <a:latin typeface="Webdings" pitchFamily="18" charset="2"/>
-              </a:rPr>
-              <a:t>a </a:t>
-            </a:r>
-            <a:r>
-              <a:rPr lang="en-US" sz="3200" smtClean="0"/>
-              <a:t>Materials </a:t>
-            </a:r>
-            <a:r>
-              <a:rPr lang="en-US" sz="3200"/>
-              <a:t>by </a:t>
-            </a:r>
-            <a:r>
-              <a:rPr lang="en-US" sz="3200" smtClean="0"/>
-              <a:t>design  </a:t>
-            </a:r>
-            <a:r>
-              <a:rPr lang="en-US" sz="3200" smtClean="0">
-                <a:latin typeface="Webdings" pitchFamily="18" charset="2"/>
-              </a:rPr>
-              <a:t>a </a:t>
-            </a:r>
-            <a:r>
-              <a:rPr lang="en-US" sz="3200" smtClean="0"/>
-              <a:t>Uncertainty </a:t>
-            </a:r>
-            <a:r>
-              <a:rPr lang="en-US" sz="3200"/>
-              <a:t>quantification</a:t>
-            </a:r>
-            <a:r>
-              <a:rPr lang="en-US" sz="3200" smtClean="0"/>
-              <a:t/>
-            </a:r>
-            <a:br>
-              <a:rPr lang="en-US" sz="3200" smtClean="0"/>
-            </a:br>
-            <a:endParaRPr lang="en-US" sz="3200" smtClean="0"/>
+              <a:rPr lang="en-US" sz="3200" dirty="0" smtClean="0"/>
+              <a:t>X-ray scattering is a powerful tool for the characterization of crystal structure in metals and other materials</a:t>
+            </a:r>
+          </a:p>
+          <a:p>
+            <a:pPr marL="2285927" lvl="1" indent="-457200">
+              <a:buFont typeface="Arial" pitchFamily="34" charset="0"/>
+              <a:buChar char="•"/>
+            </a:pPr>
+            <a:endParaRPr lang="en-US" sz="3200" dirty="0"/>
           </a:p>
           <a:p>
             <a:pPr marL="457200" indent="-457200">
               <a:buFont typeface="Arial" pitchFamily="34" charset="0"/>
               <a:buChar char="•"/>
             </a:pPr>
-            <a:r>
-              <a:rPr lang="en-US" sz="3200" smtClean="0"/>
-              <a:t>The </a:t>
-            </a:r>
-            <a:r>
-              <a:rPr lang="en-US" sz="3200"/>
-              <a:t>data flow </a:t>
-            </a:r>
-            <a:r>
-              <a:rPr lang="en-US" sz="3200" smtClean="0"/>
-              <a:t>programming model </a:t>
-            </a:r>
-            <a:r>
-              <a:rPr lang="en-US" sz="3200"/>
-              <a:t>of the Swift parallel scripting </a:t>
-            </a:r>
-            <a:r>
-              <a:rPr lang="en-US" sz="3200" smtClean="0"/>
-              <a:t>language can elegantly express the massive concurrency </a:t>
-            </a:r>
-            <a:r>
-              <a:rPr lang="en-US" sz="3200"/>
-              <a:t>demanded by these applications through implicit </a:t>
-            </a:r>
-            <a:r>
-              <a:rPr lang="en-US" sz="3200" smtClean="0"/>
-              <a:t>parallelism, which has the productivity </a:t>
-            </a:r>
-            <a:r>
-              <a:rPr lang="en-US" sz="3200"/>
-              <a:t>benefits of a high-level </a:t>
-            </a:r>
-            <a:r>
-              <a:rPr lang="en-US" sz="3200" smtClean="0"/>
-              <a:t>language.</a:t>
-            </a:r>
-          </a:p>
-          <a:p>
-            <a:endParaRPr lang="en-US" sz="3200"/>
+            <a:endParaRPr lang="en-US" sz="3200" dirty="0" smtClean="0"/>
           </a:p>
           <a:p>
             <a:pPr marL="457200" indent="-457200">
@@ -4734,214 +4462,92 @@
               <a:buChar char="•"/>
             </a:pPr>
             <a:r>
-              <a:rPr lang="en-US" sz="3200"/>
-              <a:t>In our current work, we have reimplemented the Swift system to </a:t>
-            </a:r>
-            <a:r>
-              <a:rPr lang="en-US" sz="3200" smtClean="0"/>
-              <a:t>run as an </a:t>
-            </a:r>
-            <a:r>
-              <a:rPr lang="en-US" sz="3200"/>
-              <a:t>MPI program for high-performance computing</a:t>
-            </a:r>
-            <a:r>
-              <a:rPr lang="en-US" sz="3200" smtClean="0"/>
-              <a:t>.</a:t>
-            </a:r>
+              <a:rPr lang="en-US" sz="3200" dirty="0" smtClean="0"/>
+              <a:t>The </a:t>
+            </a:r>
+            <a:r>
+              <a:rPr lang="en-US" sz="3200" dirty="0"/>
+              <a:t>data flow </a:t>
+            </a:r>
+            <a:r>
+              <a:rPr lang="en-US" sz="3200" dirty="0" smtClean="0"/>
+              <a:t>programming model </a:t>
+            </a:r>
+            <a:r>
+              <a:rPr lang="en-US" sz="3200" dirty="0"/>
+              <a:t>of the Swift parallel scripting </a:t>
+            </a:r>
+            <a:r>
+              <a:rPr lang="en-US" sz="3200" dirty="0" smtClean="0"/>
+              <a:t>language can elegantly express the massive concurrency </a:t>
+            </a:r>
+            <a:r>
+              <a:rPr lang="en-US" sz="3200" dirty="0"/>
+              <a:t>demanded by these applications through implicit </a:t>
+            </a:r>
+            <a:r>
+              <a:rPr lang="en-US" sz="3200" dirty="0" smtClean="0"/>
+              <a:t>parallelism, which has the productivity </a:t>
+            </a:r>
+            <a:r>
+              <a:rPr lang="en-US" sz="3200" dirty="0"/>
+              <a:t>benefits of a high-level </a:t>
+            </a:r>
+            <a:r>
+              <a:rPr lang="en-US" sz="3200" dirty="0" smtClean="0"/>
+              <a:t>language.</a:t>
+            </a:r>
+          </a:p>
+          <a:p>
+            <a:endParaRPr lang="en-US" sz="3200" dirty="0"/>
           </a:p>
           <a:p>
             <a:pPr marL="457200" indent="-457200">
               <a:buFont typeface="Arial" pitchFamily="34" charset="0"/>
               <a:buChar char="•"/>
             </a:pPr>
-            <a:endParaRPr lang="en-US" sz="3200"/>
+            <a:r>
+              <a:rPr lang="en-US" sz="3200" dirty="0"/>
+              <a:t>In our current work, we have </a:t>
+            </a:r>
+            <a:r>
+              <a:rPr lang="en-US" sz="3200" dirty="0" err="1"/>
+              <a:t>reimplemented</a:t>
+            </a:r>
+            <a:r>
+              <a:rPr lang="en-US" sz="3200" dirty="0"/>
+              <a:t> the Swift system to </a:t>
+            </a:r>
+            <a:r>
+              <a:rPr lang="en-US" sz="3200" dirty="0" smtClean="0"/>
+              <a:t>run as an </a:t>
+            </a:r>
+            <a:r>
+              <a:rPr lang="en-US" sz="3200" dirty="0"/>
+              <a:t>MPI program for high-performance computing</a:t>
+            </a:r>
+            <a:r>
+              <a:rPr lang="en-US" sz="3200" dirty="0" smtClean="0"/>
+              <a:t>.</a:t>
+            </a:r>
           </a:p>
           <a:p>
             <a:pPr marL="457200" indent="-457200">
               <a:buFont typeface="Arial" pitchFamily="34" charset="0"/>
               <a:buChar char="•"/>
             </a:pPr>
-            <a:r>
-              <a:rPr lang="en-US" sz="3200" smtClean="0"/>
+            <a:endParaRPr lang="en-US" sz="3200" dirty="0"/>
+          </a:p>
+          <a:p>
+            <a:pPr marL="457200" indent="-457200">
+              <a:buFont typeface="Arial" pitchFamily="34" charset="0"/>
+              <a:buChar char="•"/>
+            </a:pPr>
+            <a:r>
+              <a:rPr lang="en-US" sz="3200" dirty="0" smtClean="0"/>
               <a:t>Swift was previously implemented as a workflow language (c. 2007) for distributed computing (grids, clouds, etc.). That implementation is used in many active scientific applications (Wilde, 2011).  </a:t>
             </a:r>
-            <a:endParaRPr lang="en-US" sz="3200"/>
-          </a:p>
-        </p:txBody>
-      </p:sp>
-      <p:pic>
-        <p:nvPicPr>
-          <p:cNvPr id="1027" name="Picture 3" descr="C:\cygwin\home\wozniak\exm\papers\PPoPP_2013\poster\spawngraph.png"/>
-          <p:cNvPicPr>
-            <a:picLocks noChangeAspect="1" noChangeArrowheads="1"/>
-          </p:cNvPicPr>
-          <p:nvPr/>
-        </p:nvPicPr>
-        <p:blipFill>
-          <a:blip r:embed="rId6">
-            <a:extLst>
-              <a:ext uri="{28A0092B-C50C-407E-A947-70E740481C1C}">
-                <a14:useLocalDpi xmlns:a14="http://schemas.microsoft.com/office/drawing/2010/main" val="0"/>
-              </a:ext>
-            </a:extLst>
-          </a:blip>
-          <a:srcRect/>
-          <a:stretch>
-            <a:fillRect/>
-          </a:stretch>
-        </p:blipFill>
-        <p:spPr bwMode="auto">
-          <a:xfrm>
-            <a:off x="20524466" y="13309204"/>
-            <a:ext cx="6023328" cy="6413919"/>
-          </a:xfrm>
-          <a:prstGeom prst="rect">
-            <a:avLst/>
-          </a:prstGeom>
-          <a:noFill/>
-          <a:extLst>
-            <a:ext uri="{909E8E84-426E-40DD-AFC4-6F175D3DCCD1}">
-              <a14:hiddenFill xmlns:a14="http://schemas.microsoft.com/office/drawing/2010/main">
-                <a:solidFill>
-                  <a:srgbClr val="FFFFFF"/>
-                </a:solidFill>
-              </a14:hiddenFill>
-            </a:ext>
-          </a:extLst>
-        </p:spPr>
-      </p:pic>
-      <p:sp>
-        <p:nvSpPr>
-          <p:cNvPr id="2" name="TextBox 1"/>
-          <p:cNvSpPr txBox="1"/>
-          <p:nvPr/>
-        </p:nvSpPr>
-        <p:spPr>
-          <a:xfrm>
-            <a:off x="14332590" y="13883335"/>
-            <a:ext cx="6199133" cy="6370975"/>
-          </a:xfrm>
-          <a:prstGeom prst="rect">
-            <a:avLst/>
-          </a:prstGeom>
-          <a:noFill/>
-        </p:spPr>
-        <p:txBody>
-          <a:bodyPr wrap="none" rtlCol="0">
-            <a:spAutoFit/>
-          </a:bodyPr>
-          <a:lstStyle/>
-          <a:p>
-            <a:r>
-              <a:rPr lang="en-US" sz="2800">
-                <a:latin typeface="Courier New" pitchFamily="49" charset="0"/>
-                <a:cs typeface="Courier New" pitchFamily="49" charset="0"/>
-              </a:rPr>
-              <a:t>int X = 1000, Y = 1000;</a:t>
-            </a:r>
-          </a:p>
-          <a:p>
-            <a:r>
-              <a:rPr lang="en-US" sz="2800">
-                <a:latin typeface="Courier New" pitchFamily="49" charset="0"/>
-                <a:cs typeface="Courier New" pitchFamily="49" charset="0"/>
-              </a:rPr>
-              <a:t>int A[][];</a:t>
-            </a:r>
-          </a:p>
-          <a:p>
-            <a:r>
-              <a:rPr lang="en-US" sz="2800">
-                <a:latin typeface="Courier New" pitchFamily="49" charset="0"/>
-                <a:cs typeface="Courier New" pitchFamily="49" charset="0"/>
-              </a:rPr>
-              <a:t>int B[];</a:t>
-            </a:r>
-          </a:p>
-          <a:p>
-            <a:r>
-              <a:rPr lang="en-US" sz="2800">
-                <a:latin typeface="Courier New" pitchFamily="49" charset="0"/>
-                <a:cs typeface="Courier New" pitchFamily="49" charset="0"/>
-              </a:rPr>
-              <a:t>foreach x in [0:X-1] {</a:t>
-            </a:r>
-          </a:p>
-          <a:p>
-            <a:r>
-              <a:rPr lang="en-US" sz="2800">
-                <a:latin typeface="Courier New" pitchFamily="49" charset="0"/>
-                <a:cs typeface="Courier New" pitchFamily="49" charset="0"/>
-              </a:rPr>
-              <a:t>foreach y in [0:Y-1] {</a:t>
-            </a:r>
-          </a:p>
-          <a:p>
-            <a:r>
-              <a:rPr lang="en-US" sz="2800">
-                <a:latin typeface="Courier New" pitchFamily="49" charset="0"/>
-                <a:cs typeface="Courier New" pitchFamily="49" charset="0"/>
-              </a:rPr>
-              <a:t>  if (check(x, y)) {</a:t>
-            </a:r>
-          </a:p>
-          <a:p>
-            <a:r>
-              <a:rPr lang="en-US" sz="2800">
-                <a:latin typeface="Courier New" pitchFamily="49" charset="0"/>
-                <a:cs typeface="Courier New" pitchFamily="49" charset="0"/>
-              </a:rPr>
-              <a:t>    A[x][y] = g(f(x), f(y));</a:t>
-            </a:r>
-          </a:p>
-          <a:p>
-            <a:r>
-              <a:rPr lang="en-US" sz="2800">
-                <a:latin typeface="Courier New" pitchFamily="49" charset="0"/>
-                <a:cs typeface="Courier New" pitchFamily="49" charset="0"/>
-              </a:rPr>
-              <a:t>  } else {</a:t>
-            </a:r>
-          </a:p>
-          <a:p>
-            <a:r>
-              <a:rPr lang="en-US" sz="2800">
-                <a:latin typeface="Courier New" pitchFamily="49" charset="0"/>
-                <a:cs typeface="Courier New" pitchFamily="49" charset="0"/>
-              </a:rPr>
-              <a:t>    A[x][y] = 0;</a:t>
-            </a:r>
-          </a:p>
-          <a:p>
-            <a:r>
-              <a:rPr lang="en-US" sz="2800">
-                <a:latin typeface="Courier New" pitchFamily="49" charset="0"/>
-                <a:cs typeface="Courier New" pitchFamily="49" charset="0"/>
-              </a:rPr>
-              <a:t>  }}</a:t>
-            </a:r>
-          </a:p>
-          <a:p>
-            <a:r>
-              <a:rPr lang="en-US" sz="2800">
-                <a:latin typeface="Courier New" pitchFamily="49" charset="0"/>
-                <a:cs typeface="Courier New" pitchFamily="49" charset="0"/>
-              </a:rPr>
-              <a:t>B[x] = sum(A[x]);</a:t>
-            </a:r>
-          </a:p>
-          <a:p>
-            <a:r>
-              <a:rPr lang="en-US" sz="2800">
-                <a:latin typeface="Courier New" pitchFamily="49" charset="0"/>
-                <a:cs typeface="Courier New" pitchFamily="49" charset="0"/>
-              </a:rPr>
-              <a:t>}</a:t>
-            </a:r>
-          </a:p>
-          <a:p>
-            <a:endParaRPr lang="en-US"/>
+            <a:endParaRPr lang="en-US" sz="3200" dirty="0"/>
           </a:p>
         </p:txBody>
       </p:sp>
@@ -4980,122 +4586,6 @@
       </p:sp>
       <p:pic>
         <p:nvPicPr>
-          <p:cNvPr id="1030" name="Picture 6" descr="C:\cygwin\home\wozniak\exm\papers\PPoPP_2013\poster\TurbineArch2.png"/>
-          <p:cNvPicPr>
-            <a:picLocks noChangeAspect="1" noChangeArrowheads="1"/>
-          </p:cNvPicPr>
-          <p:nvPr/>
-        </p:nvPicPr>
-        <p:blipFill>
-          <a:blip r:embed="rId7">
-            <a:extLst>
-              <a:ext uri="{28A0092B-C50C-407E-A947-70E740481C1C}">
-                <a14:useLocalDpi xmlns:a14="http://schemas.microsoft.com/office/drawing/2010/main" val="0"/>
-              </a:ext>
-            </a:extLst>
-          </a:blip>
-          <a:srcRect/>
-          <a:stretch>
-            <a:fillRect/>
-          </a:stretch>
-        </p:blipFill>
-        <p:spPr bwMode="auto">
-          <a:xfrm>
-            <a:off x="2733643" y="17602200"/>
-            <a:ext cx="8578913" cy="3842499"/>
-          </a:xfrm>
-          <a:prstGeom prst="rect">
-            <a:avLst/>
-          </a:prstGeom>
-          <a:noFill/>
-          <a:extLst>
-            <a:ext uri="{909E8E84-426E-40DD-AFC4-6F175D3DCCD1}">
-              <a14:hiddenFill xmlns:a14="http://schemas.microsoft.com/office/drawing/2010/main">
-                <a:solidFill>
-                  <a:srgbClr val="FFFFFF"/>
-                </a:solidFill>
-              </a14:hiddenFill>
-            </a:ext>
-          </a:extLst>
-        </p:spPr>
-      </p:pic>
-      <p:sp>
-        <p:nvSpPr>
-          <p:cNvPr id="34" name="Rectangle 33"/>
-          <p:cNvSpPr/>
-          <p:nvPr/>
-        </p:nvSpPr>
-        <p:spPr>
-          <a:xfrm>
-            <a:off x="1460500" y="21631189"/>
-            <a:ext cx="11277600" cy="3429000"/>
-          </a:xfrm>
-          <a:prstGeom prst="rect">
-            <a:avLst/>
-          </a:prstGeom>
-        </p:spPr>
-        <p:txBody>
-          <a:bodyPr>
-            <a:noAutofit/>
-          </a:bodyPr>
-          <a:lstStyle/>
-          <a:p>
-            <a:pPr marL="457200" indent="-457200">
-              <a:buFont typeface="Arial" pitchFamily="34" charset="0"/>
-              <a:buChar char="•"/>
-            </a:pPr>
-            <a:r>
-              <a:rPr lang="en-US" sz="3200" smtClean="0"/>
-              <a:t>Generates </a:t>
-            </a:r>
-            <a:r>
-              <a:rPr lang="en-US" sz="3200" i="1" smtClean="0"/>
-              <a:t>Turbine code</a:t>
-            </a:r>
-            <a:r>
-              <a:rPr lang="en-US" sz="3200" smtClean="0"/>
-              <a:t> for the Turbine runtime library (Wozniak, 2012)</a:t>
-            </a:r>
-          </a:p>
-          <a:p>
-            <a:pPr marL="457200" indent="-457200">
-              <a:buFont typeface="Arial" pitchFamily="34" charset="0"/>
-              <a:buChar char="•"/>
-            </a:pPr>
-            <a:endParaRPr lang="en-US" sz="3200" smtClean="0"/>
-          </a:p>
-          <a:p>
-            <a:pPr marL="457200" indent="-457200">
-              <a:buFont typeface="Arial" pitchFamily="34" charset="0"/>
-              <a:buChar char="•"/>
-            </a:pPr>
-            <a:r>
-              <a:rPr lang="en-US" sz="3200" smtClean="0"/>
-              <a:t>Translates data flow expressions into data dependent tasks</a:t>
-            </a:r>
-          </a:p>
-          <a:p>
-            <a:pPr marL="457200" indent="-457200">
-              <a:buFont typeface="Arial" pitchFamily="34" charset="0"/>
-              <a:buChar char="•"/>
-            </a:pPr>
-            <a:endParaRPr lang="en-US" sz="3200"/>
-          </a:p>
-          <a:p>
-            <a:pPr marL="457200" indent="-457200">
-              <a:buFont typeface="Arial" pitchFamily="34" charset="0"/>
-              <a:buChar char="•"/>
-            </a:pPr>
-            <a:r>
-              <a:rPr lang="en-US" sz="3200" smtClean="0"/>
-              <a:t>Performs many optimizations – some general purpose, some specific to distributed memory computing</a:t>
-            </a:r>
-            <a:endParaRPr lang="en-US" sz="3200"/>
-          </a:p>
-        </p:txBody>
-      </p:sp>
-      <p:pic>
-        <p:nvPicPr>
           <p:cNvPr id="1032" name="Picture 8" descr="C:\cygwin\home\wozniak\exm\papers\PPoPP_2013\poster\mini-dataflow.png"/>
           <p:cNvPicPr>
             <a:picLocks noChangeAspect="1" noChangeArrowheads="1"/>
@@ -5103,7 +4593,7 @@
           <p:nvPr/>
         </p:nvPicPr>
         <p:blipFill>
-          <a:blip r:embed="rId8">
+          <a:blip r:embed="rId4">
             <a:extLst>
               <a:ext uri="{28A0092B-C50C-407E-A947-70E740481C1C}">
                 <a14:useLocalDpi xmlns:a14="http://schemas.microsoft.com/office/drawing/2010/main" val="0"/>
@@ -5161,14 +4651,14 @@
               <a:buChar char="•"/>
             </a:pPr>
             <a:r>
-              <a:rPr lang="en-US" sz="3200" b="1" smtClean="0"/>
+              <a:rPr lang="en-US" sz="3200" b="1" dirty="0" smtClean="0"/>
               <a:t>Compositional programming: </a:t>
             </a:r>
             <a:br>
-              <a:rPr lang="en-US" sz="3200" b="1" smtClean="0"/>
+              <a:rPr lang="en-US" sz="3200" b="1" dirty="0" smtClean="0"/>
             </a:br>
             <a:r>
-              <a:rPr lang="en-US" sz="3200" smtClean="0"/>
+              <a:rPr lang="en-US" sz="3200" dirty="0" smtClean="0"/>
               <a:t>User script integrates multiple libraries into a dataflow application</a:t>
             </a:r>
           </a:p>
@@ -5177,7 +4667,7 @@
               <a:buFont typeface="Arial" pitchFamily="34" charset="0"/>
               <a:buChar char="•"/>
             </a:pPr>
-            <a:endParaRPr lang="en-US" sz="3200" smtClean="0"/>
+            <a:endParaRPr lang="en-US" sz="3200" dirty="0" smtClean="0"/>
           </a:p>
           <a:p>
             <a:pPr marL="457200" indent="-457200">
@@ -5185,7 +4675,7 @@
               <a:buChar char="•"/>
             </a:pPr>
             <a:r>
-              <a:rPr lang="en-US" sz="3200" smtClean="0"/>
+              <a:rPr lang="en-US" sz="3200" dirty="0" smtClean="0"/>
               <a:t>Whole program runs over MPI </a:t>
             </a:r>
           </a:p>
@@ -5194,7 +4684,7 @@
               <a:buFont typeface="Arial" pitchFamily="34" charset="0"/>
               <a:buChar char="•"/>
             </a:pPr>
-            <a:endParaRPr lang="en-US" sz="3200"/>
+            <a:endParaRPr lang="en-US" sz="3200" dirty="0"/>
           </a:p>
           <a:p>
             <a:pPr marL="457200" indent="-457200">
@@ -5202,53 +4692,12 @@
               <a:buChar char="•"/>
             </a:pPr>
             <a:r>
-              <a:rPr lang="en-US" sz="3200" smtClean="0"/>
+              <a:rPr lang="en-US" sz="3200" dirty="0" smtClean="0"/>
               <a:t>We provide tools to call native libraries from Swift – not just executables</a:t>
             </a:r>
           </a:p>
         </p:txBody>
       </p:sp>
-      <p:pic>
-        <p:nvPicPr>
-          <p:cNvPr id="1033" name="Picture 9" descr="C:\cygwin\home\wozniak\exm\papers\PPoPP_2013\poster\arch.png"/>
-          <p:cNvPicPr>
-            <a:picLocks noChangeAspect="1" noChangeArrowheads="1"/>
-          </p:cNvPicPr>
-          <p:nvPr/>
-        </p:nvPicPr>
-        <p:blipFill>
-          <a:blip r:embed="rId9">
-            <a:extLst>
-              <a:ext uri="{28A0092B-C50C-407E-A947-70E740481C1C}">
-                <a14:useLocalDpi xmlns:a14="http://schemas.microsoft.com/office/drawing/2010/main" val="0"/>
-              </a:ext>
-            </a:extLst>
-          </a:blip>
-          <a:srcRect/>
-          <a:stretch>
-            <a:fillRect/>
-          </a:stretch>
-        </p:blipFill>
-        <p:spPr bwMode="auto">
-          <a:xfrm>
-            <a:off x="15331015" y="20770399"/>
-            <a:ext cx="9205385" cy="3473998"/>
-          </a:xfrm>
-          <a:prstGeom prst="rect">
-            <a:avLst/>
-          </a:prstGeom>
-          <a:noFill/>
-          <a:extLst>
-            <a:ext uri="{909E8E84-426E-40DD-AFC4-6F175D3DCCD1}">
-              <a14:hiddenFill xmlns:a14="http://schemas.microsoft.com/office/drawing/2010/main">
-                <a:solidFill>
-                  <a:srgbClr val="FFFFFF"/>
-                </a:solidFill>
-              </a14:hiddenFill>
-            </a:ext>
-          </a:extLst>
-        </p:spPr>
-      </p:pic>
       <p:sp>
         <p:nvSpPr>
           <p:cNvPr id="39" name="Rectangle 38"/>
@@ -5298,47 +4747,6 @@
           </a:p>
         </p:txBody>
       </p:sp>
-      <p:pic>
-        <p:nvPicPr>
-          <p:cNvPr id="1034" name="Picture 10" descr="C:\cygwin\home\wozniak\exm\materials\pips-plot\pips-cutoff.png"/>
-          <p:cNvPicPr>
-            <a:picLocks noChangeAspect="1" noChangeArrowheads="1"/>
-          </p:cNvPicPr>
-          <p:nvPr/>
-        </p:nvPicPr>
-        <p:blipFill>
-          <a:blip r:embed="rId10">
-            <a:extLst>
-              <a:ext uri="{28A0092B-C50C-407E-A947-70E740481C1C}">
-                <a14:useLocalDpi xmlns:a14="http://schemas.microsoft.com/office/drawing/2010/main" val="0"/>
-              </a:ext>
-            </a:extLst>
-          </a:blip>
-          <a:srcRect/>
-          <a:stretch>
-            <a:fillRect/>
-          </a:stretch>
-        </p:blipFill>
-        <p:spPr bwMode="auto">
-          <a:xfrm>
-            <a:off x="6055720" y="29257896"/>
-            <a:ext cx="7168608" cy="3584304"/>
-          </a:xfrm>
-          <a:prstGeom prst="rect">
-            <a:avLst/>
-          </a:prstGeom>
-          <a:noFill/>
-          <a:extLst>
-            <a:ext uri="{909E8E84-426E-40DD-AFC4-6F175D3DCCD1}">
-              <a14:hiddenFill xmlns:a14="http://schemas.microsoft.com/office/drawing/2010/main">
-                <a:solidFill>
-                  <a:srgbClr val="FFFFFF"/>
-                </a:solidFill>
-              </a14:hiddenFill>
-            </a:ext>
-          </a:extLst>
-        </p:spPr>
-      </p:pic>
       <p:sp>
         <p:nvSpPr>
           <p:cNvPr id="8" name="TextBox 7"/>
@@ -5348,7 +4756,7 @@
         <p:spPr>
           <a:xfrm>
             <a:off x="13743864" y="25792161"/>
-            <a:ext cx="13535736" cy="9264075"/>
+            <a:ext cx="13172362" cy="8710077"/>
           </a:xfrm>
           <a:prstGeom prst="rect">
             <a:avLst/>
@@ -5362,7 +4770,7 @@
           <a:lstStyle/>
           <a:p>
             <a:r>
-              <a:rPr lang="en-US" sz="4800" smtClean="0">
+              <a:rPr lang="en-US" sz="4800" dirty="0" smtClean="0">
                 <a:solidFill>
                   <a:srgbClr val="7F7F7F"/>
                 </a:solidFill>
@@ -5370,7 +4778,7 @@
               <a:t>References</a:t>
             </a:r>
             <a:r>
-              <a:rPr lang="en-US" sz="3200" smtClean="0">
+              <a:rPr lang="en-US" sz="3200" dirty="0" smtClean="0">
                 <a:solidFill>
                   <a:srgbClr val="7F7F7F"/>
                 </a:solidFill>
@@ -5378,13 +4786,13 @@
               <a:t/>
             </a:r>
             <a:br>
-              <a:rPr lang="en-US" sz="3200" smtClean="0">
+              <a:rPr lang="en-US" sz="3200" dirty="0" smtClean="0">
                 <a:solidFill>
                   <a:srgbClr val="7F7F7F"/>
                 </a:solidFill>
               </a:rPr>
             </a:br>
-            <a:endParaRPr lang="en-US" sz="3200" smtClean="0"/>
+            <a:endParaRPr lang="en-US" sz="3200" dirty="0" smtClean="0"/>
           </a:p>
           <a:p>
             <a:pPr marL="457200" indent="-457200">
@@ -5392,103 +4800,70 @@
               <a:buChar char="•"/>
             </a:pPr>
             <a:r>
-              <a:rPr lang="en-US" sz="3000" smtClean="0"/>
-              <a:t>J. M</a:t>
-            </a:r>
-            <a:r>
-              <a:rPr lang="en-US" sz="3000"/>
-              <a:t>. Wozniak, </a:t>
-            </a:r>
-            <a:r>
-              <a:rPr lang="en-US" sz="3000" smtClean="0"/>
-              <a:t>T. G</a:t>
-            </a:r>
-            <a:r>
-              <a:rPr lang="en-US" sz="3000"/>
-              <a:t>. Armstrong, </a:t>
-            </a:r>
-            <a:r>
-              <a:rPr lang="en-US" sz="3000" smtClean="0"/>
-              <a:t>M. Wilde</a:t>
-            </a:r>
-            <a:r>
-              <a:rPr lang="en-US" sz="3000"/>
-              <a:t>, </a:t>
-            </a:r>
-            <a:r>
-              <a:rPr lang="en-US" sz="3000" smtClean="0"/>
-              <a:t>D. S</a:t>
-            </a:r>
-            <a:r>
-              <a:rPr lang="en-US" sz="3000"/>
-              <a:t>. Katz, </a:t>
-            </a:r>
-            <a:r>
-              <a:rPr lang="en-US" sz="3000" smtClean="0"/>
-              <a:t>E. Lusk</a:t>
-            </a:r>
-            <a:r>
-              <a:rPr lang="en-US" sz="3000"/>
-              <a:t>, </a:t>
-            </a:r>
-            <a:r>
-              <a:rPr lang="en-US" sz="3000" smtClean="0"/>
-              <a:t>I. T</a:t>
-            </a:r>
-            <a:r>
-              <a:rPr lang="en-US" sz="3000"/>
-              <a:t>. Foster. </a:t>
-            </a:r>
-            <a:r>
-              <a:rPr lang="en-US" sz="3000" smtClean="0"/>
-              <a:t/>
-            </a:r>
-            <a:br>
-              <a:rPr lang="en-US" sz="3000" smtClean="0"/>
-            </a:br>
-            <a:r>
-              <a:rPr lang="en-US" sz="3000" b="1" smtClean="0"/>
-              <a:t>Swift/T</a:t>
-            </a:r>
-            <a:r>
-              <a:rPr lang="en-US" sz="3000" b="1"/>
-              <a:t>: Large-scale </a:t>
-            </a:r>
-            <a:r>
-              <a:rPr lang="en-US" sz="3000" b="1" smtClean="0"/>
-              <a:t>application composition </a:t>
-            </a:r>
-            <a:r>
-              <a:rPr lang="en-US" sz="3000" b="1"/>
-              <a:t>via </a:t>
-            </a:r>
-            <a:r>
-              <a:rPr lang="en-US" sz="3000" b="1" smtClean="0"/>
-              <a:t>distributed-memory </a:t>
-            </a:r>
-            <a:r>
-              <a:rPr lang="en-US" sz="3000" b="1"/>
-              <a:t>d</a:t>
-            </a:r>
-            <a:r>
-              <a:rPr lang="en-US" sz="3000" b="1" smtClean="0"/>
-              <a:t>ata flow processing</a:t>
-            </a:r>
-            <a:r>
-              <a:rPr lang="en-US" sz="3000" b="1"/>
-              <a:t>. </a:t>
-            </a:r>
-            <a:r>
-              <a:rPr lang="en-US" sz="3000" smtClean="0"/>
-              <a:t>Proc. CCGrid </a:t>
-            </a:r>
-            <a:r>
-              <a:rPr lang="en-US" sz="3000"/>
-              <a:t>2013</a:t>
-            </a:r>
-            <a:r>
-              <a:rPr lang="en-US" sz="3000" smtClean="0"/>
-              <a:t>.</a:t>
+              <a:rPr lang="en-US" sz="3200" dirty="0"/>
+              <a:t>J. M. Wozniak, M. Wilde, I. T. Foster. </a:t>
+            </a:r>
+            <a:r>
+              <a:rPr lang="en-US" sz="3200" b="1" dirty="0"/>
+              <a:t>Language features for scalable distributed-memory dataflow </a:t>
+            </a:r>
+            <a:r>
+              <a:rPr lang="en-US" sz="3200" b="1" dirty="0" smtClean="0"/>
+              <a:t>computing.</a:t>
+            </a:r>
+            <a:r>
+              <a:rPr lang="en-US" sz="3200" b="1" dirty="0"/>
+              <a:t> </a:t>
+            </a:r>
+            <a:r>
+              <a:rPr lang="en-US" sz="3200" dirty="0"/>
+              <a:t>Proc. Data-Flow Models for Extreme Scale Computing at </a:t>
+            </a:r>
+            <a:r>
+              <a:rPr lang="en-US" sz="3200" dirty="0" smtClean="0"/>
+              <a:t>PACT </a:t>
+            </a:r>
+            <a:r>
+              <a:rPr lang="en-US" sz="3200" dirty="0"/>
+              <a:t>2014.</a:t>
+            </a:r>
+          </a:p>
+          <a:p>
+            <a:pPr marL="457200" lvl="0" indent="-457200">
+              <a:buFont typeface="Arial" pitchFamily="34" charset="0"/>
+              <a:buChar char="•"/>
+            </a:pPr>
+            <a:r>
+              <a:rPr lang="en-US" sz="3200" dirty="0" smtClean="0">
+                <a:solidFill>
+                  <a:prstClr val="black"/>
+                </a:solidFill>
+              </a:rPr>
+              <a:t>T</a:t>
+            </a:r>
+            <a:r>
+              <a:rPr lang="en-US" sz="3200" dirty="0">
+                <a:solidFill>
+                  <a:prstClr val="black"/>
+                </a:solidFill>
+              </a:rPr>
+              <a:t>. G. Armstrong, J. M. Wozniak, M. Wilde, I. T. Foster. </a:t>
+            </a:r>
+            <a:r>
+              <a:rPr lang="en-US" sz="3200" b="1" dirty="0">
+                <a:solidFill>
+                  <a:prstClr val="black"/>
+                </a:solidFill>
+              </a:rPr>
+              <a:t>Compiler techniques for massively scalable implicit task parallelism. </a:t>
+            </a:r>
+            <a:r>
+              <a:rPr lang="en-US" sz="3200" dirty="0">
+                <a:solidFill>
+                  <a:prstClr val="black"/>
+                </a:solidFill>
+              </a:rPr>
+              <a:t>Proc. SC 2014. </a:t>
             </a:r>
           </a:p>
           <a:p>
@@ -5497,94 +4872,106 @@
               <a:buChar char="•"/>
             </a:pPr>
             <a:r>
-              <a:rPr lang="en-US" sz="3000" smtClean="0"/>
-              <a:t>J. </a:t>
-            </a:r>
-            <a:r>
-              <a:rPr lang="en-US" sz="3000"/>
-              <a:t>M. Wozniak, </a:t>
-            </a:r>
-            <a:r>
-              <a:rPr lang="en-US" sz="3000" smtClean="0"/>
-              <a:t>A. Chan</a:t>
-            </a:r>
-            <a:r>
-              <a:rPr lang="en-US" sz="3000"/>
+              <a:rPr lang="en-US" sz="3200" dirty="0" smtClean="0"/>
+              <a:t>J</a:t>
+            </a:r>
+            <a:r>
+              <a:rPr lang="en-US" sz="3200" dirty="0" smtClean="0"/>
+              <a:t>. M</a:t>
+            </a:r>
+            <a:r>
+              <a:rPr lang="en-US" sz="3200" dirty="0"/>
+              <a:t>. Wozniak, </a:t>
+            </a:r>
+            <a:r>
+              <a:rPr lang="en-US" sz="3200" dirty="0" smtClean="0"/>
+              <a:t>T. G</a:t>
+            </a:r>
+            <a:r>
+              <a:rPr lang="en-US" sz="3200" dirty="0"/>
+              <a:t>. Armstrong, </a:t>
+            </a:r>
+            <a:r>
+              <a:rPr lang="en-US" sz="3200" dirty="0" smtClean="0"/>
+              <a:t>M. Wilde</a:t>
+            </a:r>
+            <a:r>
+              <a:rPr lang="en-US" sz="3200" dirty="0"/>
               <a:t>, </a:t>
             </a:r>
             <a:r>
-              <a:rPr lang="en-US" sz="3000" smtClean="0"/>
-              <a:t>T. G</a:t>
-            </a:r>
-            <a:r>
-              <a:rPr lang="en-US" sz="3000"/>
-              <a:t>. Armstrong, </a:t>
-            </a:r>
-            <a:r>
-              <a:rPr lang="en-US" sz="3000" smtClean="0"/>
-              <a:t>M. Wilde</a:t>
-            </a:r>
-            <a:r>
-              <a:rPr lang="en-US" sz="3000"/>
+              <a:rPr lang="en-US" sz="3200" dirty="0" smtClean="0"/>
+              <a:t>D. S</a:t>
+            </a:r>
+            <a:r>
+              <a:rPr lang="en-US" sz="3200" dirty="0"/>
+              <a:t>. Katz, </a:t>
+            </a:r>
+            <a:r>
+              <a:rPr lang="en-US" sz="3200" dirty="0" smtClean="0"/>
+              <a:t>E. Lusk</a:t>
+            </a:r>
+            <a:r>
+              <a:rPr lang="en-US" sz="3200" dirty="0"/>
               <a:t>, </a:t>
             </a:r>
             <a:r>
-              <a:rPr lang="en-US" sz="3000" smtClean="0"/>
-              <a:t>E. Lusk</a:t>
-            </a:r>
-            <a:r>
-              <a:rPr lang="en-US" sz="3000"/>
-              <a:t>, </a:t>
-            </a:r>
-            <a:r>
-              <a:rPr lang="en-US" sz="3000" smtClean="0"/>
+              <a:rPr lang="en-US" sz="3200" dirty="0" smtClean="0"/>
               <a:t>I. T</a:t>
             </a:r>
             <a:r>
-              <a:rPr lang="en-US" sz="3000"/>
-              <a:t>. </a:t>
-            </a:r>
-            <a:r>
-              <a:rPr lang="en-US" sz="3000" smtClean="0"/>
-              <a:t>Foster.</a:t>
-            </a:r>
-            <a:r>
-              <a:rPr lang="en-US" sz="3000"/>
+              <a:rPr lang="en-US" sz="3200" dirty="0"/>
+              <a:t>. Foster. </a:t>
+            </a:r>
+            <a:r>
+              <a:rPr lang="en-US" sz="3200" dirty="0" smtClean="0"/>
               <a:t/>
             </a:r>
             <a:br>
-              <a:rPr lang="en-US" sz="3000"/>
+              <a:rPr lang="en-US" sz="3200" dirty="0" smtClean="0"/>
             </a:br>
             <a:r>
-              <a:rPr lang="en-US" sz="3000" b="1" smtClean="0"/>
-              <a:t>A </a:t>
-            </a:r>
-            <a:r>
-              <a:rPr lang="en-US" sz="3000" b="1"/>
-              <a:t>model for tracing and debugging large-scale task-parallel programs with </a:t>
-            </a:r>
-            <a:r>
-              <a:rPr lang="en-US" sz="3000" b="1" smtClean="0"/>
-              <a:t>MPE.</a:t>
-            </a:r>
-            <a:r>
-              <a:rPr lang="en-US" sz="3000" smtClean="0"/>
-              <a:t> Proc</a:t>
-            </a:r>
-            <a:r>
-              <a:rPr lang="en-US" sz="3000"/>
-              <a:t>. Workshop on Leveraging Abstractions and Semantics in High-performance Computing </a:t>
-            </a:r>
-            <a:r>
-              <a:rPr lang="en-US" sz="3000" smtClean="0"/>
-              <a:t>(LASH-C) </a:t>
-            </a:r>
-            <a:r>
-              <a:rPr lang="en-US" sz="3000"/>
-              <a:t>at PPoPP 2013</a:t>
-            </a:r>
-            <a:r>
-              <a:rPr lang="en-US" sz="3000" smtClean="0"/>
+              <a:rPr lang="en-US" sz="3200" b="1" dirty="0" smtClean="0"/>
+              <a:t>Swift/T</a:t>
+            </a:r>
+            <a:r>
+              <a:rPr lang="en-US" sz="3200" b="1" dirty="0"/>
+              <a:t>: Large-scale </a:t>
+            </a:r>
+            <a:r>
+              <a:rPr lang="en-US" sz="3200" b="1" dirty="0" smtClean="0"/>
+              <a:t>application composition </a:t>
+            </a:r>
+            <a:r>
+              <a:rPr lang="en-US" sz="3200" b="1" dirty="0"/>
+              <a:t>via </a:t>
+            </a:r>
+            <a:r>
+              <a:rPr lang="en-US" sz="3200" b="1" dirty="0" smtClean="0"/>
+              <a:t>distributed-memory </a:t>
+            </a:r>
+            <a:r>
+              <a:rPr lang="en-US" sz="3200" b="1" dirty="0"/>
+              <a:t>d</a:t>
+            </a:r>
+            <a:r>
+              <a:rPr lang="en-US" sz="3200" b="1" dirty="0" smtClean="0"/>
+              <a:t>ata flow processing</a:t>
+            </a:r>
+            <a:r>
+              <a:rPr lang="en-US" sz="3200" b="1" dirty="0"/>
+              <a:t>. </a:t>
+            </a:r>
+            <a:r>
+              <a:rPr lang="en-US" sz="3200" dirty="0" smtClean="0"/>
+              <a:t>Proc. CCGrid </a:t>
+            </a:r>
+            <a:r>
+              <a:rPr lang="en-US" sz="3200" dirty="0"/>
+              <a:t>2013</a:t>
+            </a:r>
+            <a:r>
+              <a:rPr lang="en-US" sz="3200" dirty="0" smtClean="0"/>
               <a:t>.</a:t>
             </a:r>
           </a:p>
@@ -5594,85 +4981,89 @@
               <a:buChar char="•"/>
             </a:pPr>
             <a:r>
-              <a:rPr lang="en-US" sz="3000" smtClean="0"/>
+              <a:rPr lang="en-US" sz="3200" dirty="0" smtClean="0"/>
               <a:t>J. </a:t>
             </a:r>
             <a:r>
-              <a:rPr lang="en-US" sz="3000"/>
+              <a:rPr lang="en-US" sz="3200" dirty="0"/>
               <a:t>M. Wozniak, </a:t>
             </a:r>
             <a:r>
-              <a:rPr lang="en-US" sz="3000" smtClean="0"/>
+              <a:rPr lang="en-US" sz="3200" dirty="0" smtClean="0"/>
               <a:t>T. G</a:t>
             </a:r>
             <a:r>
-              <a:rPr lang="en-US" sz="3000"/>
+              <a:rPr lang="en-US" sz="3200" dirty="0"/>
               <a:t>. Armstrong, </a:t>
             </a:r>
             <a:r>
-              <a:rPr lang="en-US" sz="3000" smtClean="0"/>
+              <a:rPr lang="en-US" sz="3200" dirty="0" smtClean="0"/>
+              <a:t>K. </a:t>
+            </a:r>
+            <a:r>
+              <a:rPr lang="en-US" sz="3200" dirty="0" err="1" smtClean="0"/>
+              <a:t>Maheshwari</a:t>
+            </a:r>
+            <a:r>
+              <a:rPr lang="en-US" sz="3200" dirty="0"/>
+              <a:t>, </a:t>
+            </a:r>
+            <a:r>
+              <a:rPr lang="en-US" sz="3200" dirty="0" smtClean="0"/>
+              <a:t>E. L</a:t>
+            </a:r>
+            <a:r>
+              <a:rPr lang="en-US" sz="3200" dirty="0"/>
+              <a:t>. Lusk, </a:t>
+            </a:r>
+            <a:r>
+              <a:rPr lang="en-US" sz="3200" dirty="0" smtClean="0"/>
+              <a:t>D. S</a:t>
+            </a:r>
+            <a:r>
+              <a:rPr lang="en-US" sz="3200" dirty="0"/>
+              <a:t>. Katz, </a:t>
+            </a:r>
+            <a:r>
+              <a:rPr lang="en-US" sz="3200" dirty="0" smtClean="0"/>
               <a:t>M. Wilde</a:t>
             </a:r>
             <a:r>
-              <a:rPr lang="en-US" sz="3000"/>
+              <a:rPr lang="en-US" sz="3200" dirty="0"/>
               <a:t>, </a:t>
             </a:r>
             <a:r>
-              <a:rPr lang="en-US" sz="3000" smtClean="0"/>
-              <a:t>K. Maheshwari</a:t>
-            </a:r>
-            <a:r>
-              <a:rPr lang="en-US" sz="3000"/>
-              <a:t>, </a:t>
-            </a:r>
-            <a:r>
-              <a:rPr lang="en-US" sz="3000" smtClean="0"/>
-              <a:t>D. S</a:t>
-            </a:r>
-            <a:r>
-              <a:rPr lang="en-US" sz="3000"/>
-              <a:t>. Katz, </a:t>
-            </a:r>
-            <a:r>
-              <a:rPr lang="en-US" sz="3000" smtClean="0"/>
-              <a:t>E. L</a:t>
-            </a:r>
-            <a:r>
-              <a:rPr lang="en-US" sz="3000"/>
-              <a:t>. Lusk, and </a:t>
-            </a:r>
-            <a:r>
-              <a:rPr lang="en-US" sz="3000" smtClean="0"/>
+              <a:rPr lang="en-US" sz="3200" dirty="0" smtClean="0"/>
               <a:t>I. T</a:t>
             </a:r>
             <a:r>
-              <a:rPr lang="en-US" sz="3000"/>
-              <a:t>. </a:t>
-            </a:r>
-            <a:r>
-              <a:rPr lang="en-US" sz="3000" smtClean="0"/>
-              <a:t>Foster. </a:t>
-            </a:r>
-            <a:r>
-              <a:rPr lang="en-US" sz="3000" b="1"/>
-              <a:t>Turbine: A distributed-memory dataflow engine for extreme-scale many-task </a:t>
-            </a:r>
-            <a:r>
-              <a:rPr lang="en-US" sz="3000" b="1" smtClean="0"/>
-              <a:t>applications. </a:t>
-            </a:r>
-            <a:r>
-              <a:rPr lang="en-US" sz="3000" smtClean="0"/>
-              <a:t>Proc. Workshop </a:t>
-            </a:r>
-            <a:r>
-              <a:rPr lang="en-US" sz="3000"/>
-              <a:t>on Scalable Workflow Enactment Engines and Technologies (</a:t>
-            </a:r>
-            <a:r>
-              <a:rPr lang="en-US" sz="3000" smtClean="0"/>
-              <a:t>SWEET) 2012.</a:t>
-            </a:r>
+              <a:rPr lang="en-US" sz="3200" dirty="0"/>
+              <a:t>. Foster. </a:t>
+            </a:r>
+            <a:r>
+              <a:rPr lang="en-US" sz="3200" b="1" dirty="0" smtClean="0"/>
+              <a:t>Turbine</a:t>
+            </a:r>
+            <a:r>
+              <a:rPr lang="en-US" sz="3200" b="1" dirty="0"/>
+              <a:t>: A distributed-memory dataflow engine for high performance many-task applications. </a:t>
+            </a:r>
+            <a:r>
+              <a:rPr lang="en-US" sz="3200" b="1" dirty="0" smtClean="0"/>
+              <a:t/>
+            </a:r>
+            <a:br>
+              <a:rPr lang="en-US" sz="3200" b="1" dirty="0" smtClean="0"/>
+            </a:br>
+            <a:r>
+              <a:rPr lang="en-US" sz="3200" dirty="0" smtClean="0"/>
+              <a:t>Fundamenta </a:t>
+            </a:r>
+            <a:r>
+              <a:rPr lang="en-US" sz="3200" dirty="0"/>
+              <a:t>Informaticae 128(3), 2013. </a:t>
+            </a:r>
+            <a:endParaRPr lang="en-US" sz="3200" dirty="0" smtClean="0"/>
           </a:p>
           <a:p>
             <a:pPr marL="457200" indent="-457200">
@@ -5680,167 +5071,59 @@
               <a:buChar char="•"/>
             </a:pPr>
             <a:r>
-              <a:rPr lang="en-US" sz="3000" smtClean="0"/>
-              <a:t>M. </a:t>
-            </a:r>
-            <a:r>
-              <a:rPr lang="en-US" sz="3000"/>
-              <a:t>Wilde, </a:t>
-            </a:r>
-            <a:r>
-              <a:rPr lang="en-US" sz="3000" smtClean="0"/>
-              <a:t>M. Hategan</a:t>
-            </a:r>
-            <a:r>
-              <a:rPr lang="en-US" sz="3000"/>
-              <a:t>, </a:t>
-            </a:r>
-            <a:r>
-              <a:rPr lang="en-US" sz="3000" smtClean="0"/>
-              <a:t>J. M</a:t>
-            </a:r>
-            <a:r>
-              <a:rPr lang="en-US" sz="3000"/>
-              <a:t>. Wozniak, </a:t>
-            </a:r>
-            <a:r>
-              <a:rPr lang="en-US" sz="3000" smtClean="0"/>
-              <a:t>B. Clifford</a:t>
-            </a:r>
-            <a:r>
-              <a:rPr lang="en-US" sz="3000"/>
-              <a:t>, </a:t>
-            </a:r>
-            <a:r>
-              <a:rPr lang="en-US" sz="3000" smtClean="0"/>
-              <a:t>D. S</a:t>
-            </a:r>
-            <a:r>
-              <a:rPr lang="en-US" sz="3000"/>
-              <a:t>. Katz and </a:t>
-            </a:r>
-            <a:r>
-              <a:rPr lang="en-US" sz="3000" smtClean="0"/>
-              <a:t>I. T. Foster</a:t>
-            </a:r>
-            <a:r>
-              <a:rPr lang="en-US" sz="3000"/>
-              <a:t>. </a:t>
-            </a:r>
-            <a:r>
-              <a:rPr lang="en-US" sz="3000" smtClean="0"/>
-              <a:t/>
+              <a:rPr lang="en-US" sz="3200" dirty="0" smtClean="0"/>
+              <a:t>E</a:t>
+            </a:r>
+            <a:r>
+              <a:rPr lang="en-US" sz="3200" dirty="0"/>
+              <a:t>. L. Lusk, S. C. Pieper</a:t>
+            </a:r>
+            <a:r>
+              <a:rPr lang="en-US" sz="3200" dirty="0" smtClean="0"/>
+              <a:t>, and </a:t>
+            </a:r>
+            <a:r>
+              <a:rPr lang="en-US" sz="3200" dirty="0"/>
+              <a:t>R. M. Butler. </a:t>
+            </a:r>
+            <a:r>
+              <a:rPr lang="en-US" sz="3200" b="1" dirty="0"/>
+              <a:t>More scalability, less pain: </a:t>
+            </a:r>
+            <a:r>
+              <a:rPr lang="en-US" sz="3200" b="1" dirty="0" smtClean="0"/>
+              <a:t>A simple </a:t>
+            </a:r>
+            <a:r>
+              <a:rPr lang="en-US" sz="3200" b="1" dirty="0"/>
+              <a:t>programming model and its implementation for extreme </a:t>
+            </a:r>
+            <a:r>
+              <a:rPr lang="en-US" sz="3200" b="1" dirty="0" smtClean="0"/>
+              <a:t>computing.</a:t>
+            </a:r>
+            <a:r>
+              <a:rPr lang="en-US" sz="3200" dirty="0" smtClean="0"/>
+              <a:t> </a:t>
             </a:r>
             <a:br>
-              <a:rPr lang="en-US" sz="3000" smtClean="0"/>
+              <a:rPr lang="en-US" sz="3200" dirty="0" smtClean="0"/>
             </a:br>
             <a:r>
-              <a:rPr lang="en-US" sz="3000" b="1" smtClean="0"/>
-              <a:t>Swift</a:t>
-            </a:r>
-            <a:r>
-              <a:rPr lang="en-US" sz="3000" b="1"/>
-              <a:t>: A language for distributed parallel </a:t>
-            </a:r>
-            <a:r>
-              <a:rPr lang="en-US" sz="3000" b="1" smtClean="0"/>
-              <a:t>scripting. </a:t>
-            </a:r>
-            <a:br>
-              <a:rPr lang="en-US" sz="3000" b="1" smtClean="0"/>
-            </a:br>
-            <a:r>
-              <a:rPr lang="en-US" sz="3000" smtClean="0"/>
-              <a:t>Parallel </a:t>
-            </a:r>
-            <a:r>
-              <a:rPr lang="en-US" sz="3000"/>
-              <a:t>Computing 37(9), </a:t>
-            </a:r>
-            <a:r>
-              <a:rPr lang="en-US" sz="3000" smtClean="0"/>
-              <a:t>2011.</a:t>
-            </a:r>
-          </a:p>
-          <a:p>
-            <a:pPr marL="457200" indent="-457200">
-              <a:buFont typeface="Arial" pitchFamily="34" charset="0"/>
-              <a:buChar char="•"/>
-            </a:pPr>
-            <a:r>
-              <a:rPr lang="en-US" sz="3000" smtClean="0"/>
-              <a:t>E</a:t>
-            </a:r>
-            <a:r>
-              <a:rPr lang="en-US" sz="3000"/>
-              <a:t>. L. Lusk, S. C. Pieper</a:t>
-            </a:r>
-            <a:r>
-              <a:rPr lang="en-US" sz="3000" smtClean="0"/>
-              <a:t>, and </a:t>
-            </a:r>
-            <a:r>
-              <a:rPr lang="en-US" sz="3000"/>
-              <a:t>R. M. Butler. </a:t>
-            </a:r>
-            <a:r>
-              <a:rPr lang="en-US" sz="3000" b="1"/>
-              <a:t>More scalability, less pain: </a:t>
-            </a:r>
-            <a:r>
-              <a:rPr lang="en-US" sz="3000" b="1" smtClean="0"/>
-              <a:t>A simple </a:t>
-            </a:r>
-            <a:r>
-              <a:rPr lang="en-US" sz="3000" b="1"/>
-              <a:t>programming model and its implementation for extreme </a:t>
-            </a:r>
-            <a:r>
-              <a:rPr lang="en-US" sz="3000" b="1" smtClean="0"/>
-              <a:t>computing.</a:t>
-            </a:r>
-            <a:r>
-              <a:rPr lang="en-US" sz="3000" smtClean="0"/>
+              <a:rPr lang="en-US" sz="3200" dirty="0" err="1" smtClean="0"/>
+              <a:t>SciDAC</a:t>
+            </a:r>
+            <a:r>
+              <a:rPr lang="en-US" sz="3200" dirty="0" smtClean="0"/>
               <a:t> </a:t>
             </a:r>
-            <a:br>
-              <a:rPr lang="en-US" sz="3000" smtClean="0"/>
-            </a:br>
-            <a:r>
-              <a:rPr lang="en-US" sz="3000" smtClean="0"/>
-              <a:t>SciDAC </a:t>
-            </a:r>
-            <a:r>
-              <a:rPr lang="en-US" sz="3000"/>
+            <a:r>
+              <a:rPr lang="en-US" sz="3200" dirty="0"/>
               <a:t>Review, 2010.</a:t>
             </a:r>
           </a:p>
         </p:txBody>
       </p:sp>
-      <p:pic>
-        <p:nvPicPr>
-          <p:cNvPr id="29" name="Picture 28" descr="pips-script.pdf"/>
-          <p:cNvPicPr>
-            <a:picLocks noChangeAspect="1"/>
-          </p:cNvPicPr>
-          <p:nvPr/>
-        </p:nvPicPr>
-        <p:blipFill>
-          <a:blip r:embed="rId11"/>
-          <a:stretch>
-            <a:fillRect/>
-          </a:stretch>
-        </p:blipFill>
-        <p:spPr>
-          <a:xfrm>
-            <a:off x="511444" y="26273397"/>
-            <a:ext cx="6798668" cy="5969000"/>
-          </a:xfrm>
-          <a:prstGeom prst="rect">
-            <a:avLst/>
-          </a:prstGeom>
-        </p:spPr>
-      </p:pic>
       <p:sp>
         <p:nvSpPr>
           <p:cNvPr id="46" name="Rectangle 45"/>
